--- a/Slides/GLVid8.pptx
+++ b/Slides/GLVid8.pptx
@@ -113,17 +113,25 @@
 </p:presentation>
 </file>
 
+<file path=ppt/revisionInfo.xml><?xml version="1.0" encoding="utf-8"?>
+<p1510:revInfo xmlns:a="http://schemas.openxmlformats.org/drawingml/2006/main" xmlns:r="http://schemas.openxmlformats.org/officeDocument/2006/relationships" xmlns:p1510="http://schemas.microsoft.com/office/powerpoint/2015/10/main">
+  <p1510:revLst>
+    <p1510:client id="{35F32D0D-1742-4C5D-ABB9-BF55AFFF2E73}" v="1" dt="2023-09-23T17:03:30.810"/>
+  </p1510:revLst>
+</p1510:revInfo>
+</file>
+
 <file path=ppt/changesInfos/changesInfo1.xml><?xml version="1.0" encoding="utf-8"?>
 <pc:chgInfo xmlns:a="http://schemas.openxmlformats.org/drawingml/2006/main" xmlns:r="http://schemas.openxmlformats.org/officeDocument/2006/relationships" xmlns:ac="http://schemas.microsoft.com/office/drawing/2013/main/command" xmlns:pc="http://schemas.microsoft.com/office/powerpoint/2013/main/command">
   <pc:docChgLst>
     <pc:chgData name="SUKANYA RATANOTAYANON" userId="363f4162-4837-4f18-b4cf-c144fded3c77" providerId="ADAL" clId="{35F32D0D-1742-4C5D-ABB9-BF55AFFF2E73}"/>
     <pc:docChg chg="undo custSel addSld delSld modSld">
-      <pc:chgData name="SUKANYA RATANOTAYANON" userId="363f4162-4837-4f18-b4cf-c144fded3c77" providerId="ADAL" clId="{35F32D0D-1742-4C5D-ABB9-BF55AFFF2E73}" dt="2023-09-22T22:20:05.079" v="12" actId="20577"/>
+      <pc:chgData name="SUKANYA RATANOTAYANON" userId="363f4162-4837-4f18-b4cf-c144fded3c77" providerId="ADAL" clId="{35F32D0D-1742-4C5D-ABB9-BF55AFFF2E73}" dt="2023-09-23T17:03:59.651" v="86" actId="20577"/>
       <pc:docMkLst>
         <pc:docMk/>
       </pc:docMkLst>
-      <pc:sldChg chg="modSp add del mod">
-        <pc:chgData name="SUKANYA RATANOTAYANON" userId="363f4162-4837-4f18-b4cf-c144fded3c77" providerId="ADAL" clId="{35F32D0D-1742-4C5D-ABB9-BF55AFFF2E73}" dt="2023-09-22T22:20:05.079" v="12" actId="20577"/>
+      <pc:sldChg chg="addSp modSp add del mod">
+        <pc:chgData name="SUKANYA RATANOTAYANON" userId="363f4162-4837-4f18-b4cf-c144fded3c77" providerId="ADAL" clId="{35F32D0D-1742-4C5D-ABB9-BF55AFFF2E73}" dt="2023-09-23T17:03:59.651" v="86" actId="20577"/>
         <pc:sldMkLst>
           <pc:docMk/>
           <pc:sldMk cId="1017736205" sldId="257"/>
@@ -137,13 +145,21 @@
           </ac:spMkLst>
         </pc:spChg>
         <pc:spChg chg="mod">
-          <ac:chgData name="SUKANYA RATANOTAYANON" userId="363f4162-4837-4f18-b4cf-c144fded3c77" providerId="ADAL" clId="{35F32D0D-1742-4C5D-ABB9-BF55AFFF2E73}" dt="2023-09-22T22:20:05.079" v="12" actId="20577"/>
+          <ac:chgData name="SUKANYA RATANOTAYANON" userId="363f4162-4837-4f18-b4cf-c144fded3c77" providerId="ADAL" clId="{35F32D0D-1742-4C5D-ABB9-BF55AFFF2E73}" dt="2023-09-23T17:03:59.651" v="86" actId="20577"/>
           <ac:spMkLst>
             <pc:docMk/>
             <pc:sldMk cId="1017736205" sldId="257"/>
             <ac:spMk id="3" creationId="{C1FC7F69-19F0-D1D3-2399-28DF2A155E2C}"/>
           </ac:spMkLst>
         </pc:spChg>
+        <pc:picChg chg="add mod">
+          <ac:chgData name="SUKANYA RATANOTAYANON" userId="363f4162-4837-4f18-b4cf-c144fded3c77" providerId="ADAL" clId="{35F32D0D-1742-4C5D-ABB9-BF55AFFF2E73}" dt="2023-09-23T17:03:33.253" v="14" actId="1076"/>
+          <ac:picMkLst>
+            <pc:docMk/>
+            <pc:sldMk cId="1017736205" sldId="257"/>
+            <ac:picMk id="4" creationId="{39A2A56A-8A42-913B-D99B-210C7FB9C937}"/>
+          </ac:picMkLst>
+        </pc:picChg>
       </pc:sldChg>
       <pc:sldChg chg="add del">
         <pc:chgData name="SUKANYA RATANOTAYANON" userId="363f4162-4837-4f18-b4cf-c144fded3c77" providerId="ADAL" clId="{35F32D0D-1742-4C5D-ABB9-BF55AFFF2E73}" dt="2023-09-22T22:19:53.570" v="2" actId="47"/>
@@ -347,7 +363,7 @@
             <a:fld id="{3F9AFA87-1417-4992-ABD9-27C3BC8CC883}" type="datetimeFigureOut">
               <a:rPr lang="en-US" smtClean="0"/>
               <a:pPr algn="r"/>
-              <a:t>9/23/2023</a:t>
+              <a:t>9/24/2023</a:t>
             </a:fld>
             <a:endParaRPr lang="en-US" dirty="0"/>
           </a:p>
@@ -548,7 +564,7 @@
           <a:p>
             <a:fld id="{3F9AFA87-1417-4992-ABD9-27C3BC8CC883}" type="datetimeFigureOut">
               <a:rPr lang="en-US" smtClean="0"/>
-              <a:t>9/23/2023</a:t>
+              <a:t>9/24/2023</a:t>
             </a:fld>
             <a:endParaRPr lang="en-US"/>
           </a:p>
@@ -758,7 +774,7 @@
           <a:p>
             <a:fld id="{3F9AFA87-1417-4992-ABD9-27C3BC8CC883}" type="datetimeFigureOut">
               <a:rPr lang="en-US" smtClean="0"/>
-              <a:t>9/23/2023</a:t>
+              <a:t>9/24/2023</a:t>
             </a:fld>
             <a:endParaRPr lang="en-US"/>
           </a:p>
@@ -956,7 +972,7 @@
           <a:p>
             <a:fld id="{3F9AFA87-1417-4992-ABD9-27C3BC8CC883}" type="datetimeFigureOut">
               <a:rPr lang="en-US" smtClean="0"/>
-              <a:t>9/23/2023</a:t>
+              <a:t>9/24/2023</a:t>
             </a:fld>
             <a:endParaRPr lang="en-US"/>
           </a:p>
@@ -1230,7 +1246,7 @@
           <a:p>
             <a:fld id="{3F9AFA87-1417-4992-ABD9-27C3BC8CC883}" type="datetimeFigureOut">
               <a:rPr lang="en-US" smtClean="0"/>
-              <a:t>9/23/2023</a:t>
+              <a:t>9/24/2023</a:t>
             </a:fld>
             <a:endParaRPr lang="en-US"/>
           </a:p>
@@ -1495,7 +1511,7 @@
           <a:p>
             <a:fld id="{3F9AFA87-1417-4992-ABD9-27C3BC8CC883}" type="datetimeFigureOut">
               <a:rPr lang="en-US" smtClean="0"/>
-              <a:t>9/23/2023</a:t>
+              <a:t>9/24/2023</a:t>
             </a:fld>
             <a:endParaRPr lang="en-US" dirty="0"/>
           </a:p>
@@ -1882,7 +1898,7 @@
           <a:p>
             <a:fld id="{3F9AFA87-1417-4992-ABD9-27C3BC8CC883}" type="datetimeFigureOut">
               <a:rPr lang="en-US" smtClean="0"/>
-              <a:t>9/23/2023</a:t>
+              <a:t>9/24/2023</a:t>
             </a:fld>
             <a:endParaRPr lang="en-US"/>
           </a:p>
@@ -2052,7 +2068,7 @@
           <a:p>
             <a:fld id="{3F9AFA87-1417-4992-ABD9-27C3BC8CC883}" type="datetimeFigureOut">
               <a:rPr lang="en-US" smtClean="0"/>
-              <a:t>9/23/2023</a:t>
+              <a:t>9/24/2023</a:t>
             </a:fld>
             <a:endParaRPr lang="en-US"/>
           </a:p>
@@ -2165,7 +2181,7 @@
           <a:p>
             <a:fld id="{3F9AFA87-1417-4992-ABD9-27C3BC8CC883}" type="datetimeFigureOut">
               <a:rPr lang="en-US" smtClean="0"/>
-              <a:t>9/23/2023</a:t>
+              <a:t>9/24/2023</a:t>
             </a:fld>
             <a:endParaRPr lang="en-US"/>
           </a:p>
@@ -2485,7 +2501,7 @@
           <a:p>
             <a:fld id="{3F9AFA87-1417-4992-ABD9-27C3BC8CC883}" type="datetimeFigureOut">
               <a:rPr lang="en-US" smtClean="0"/>
-              <a:t>9/23/2023</a:t>
+              <a:t>9/24/2023</a:t>
             </a:fld>
             <a:endParaRPr lang="en-US"/>
           </a:p>
@@ -2790,7 +2806,7 @@
           <a:p>
             <a:fld id="{3F9AFA87-1417-4992-ABD9-27C3BC8CC883}" type="datetimeFigureOut">
               <a:rPr lang="en-US" smtClean="0"/>
-              <a:t>9/23/2023</a:t>
+              <a:t>9/24/2023</a:t>
             </a:fld>
             <a:endParaRPr lang="en-US"/>
           </a:p>
@@ -3033,7 +3049,7 @@
             <a:fld id="{3F9AFA87-1417-4992-ABD9-27C3BC8CC883}" type="datetimeFigureOut">
               <a:rPr lang="en-US" smtClean="0"/>
               <a:pPr algn="r"/>
-              <a:t>9/23/2023</a:t>
+              <a:t>9/24/2023</a:t>
             </a:fld>
             <a:endParaRPr lang="en-US" dirty="0"/>
           </a:p>
@@ -4132,12 +4148,58 @@
           <a:p>
             <a:r>
               <a:rPr lang="en-US" b="1" dirty="0"/>
-              <a:t>Ortho</a:t>
+              <a:t>Add a color attribute</a:t>
+            </a:r>
+          </a:p>
+          <a:p>
+            <a:r>
+              <a:rPr lang="en-US" b="1"/>
+              <a:t>Apply Orthographic </a:t>
+            </a:r>
+            <a:r>
+              <a:rPr lang="en-US" b="1" dirty="0"/>
+              <a:t>projection</a:t>
+            </a:r>
+          </a:p>
+          <a:p>
+            <a:r>
+              <a:rPr lang="en-US" b="1" dirty="0"/>
+              <a:t>Change viewport</a:t>
             </a:r>
             <a:endParaRPr lang="en-US" dirty="0"/>
           </a:p>
         </p:txBody>
       </p:sp>
+      <p:pic>
+        <p:nvPicPr>
+          <p:cNvPr id="4" name="Picture 3" descr="A picture containing shape&#10;&#10;Description automatically generated">
+            <a:extLst>
+              <a:ext uri="{FF2B5EF4-FFF2-40B4-BE49-F238E27FC236}">
+                <a16:creationId xmlns:a16="http://schemas.microsoft.com/office/drawing/2014/main" id="{39A2A56A-8A42-913B-D99B-210C7FB9C937}"/>
+              </a:ext>
+            </a:extLst>
+          </p:cNvPr>
+          <p:cNvPicPr>
+            <a:picLocks noChangeAspect="1"/>
+          </p:cNvPicPr>
+          <p:nvPr/>
+        </p:nvPicPr>
+        <p:blipFill>
+          <a:blip r:embed="rId2"/>
+          <a:stretch>
+            <a:fillRect/>
+          </a:stretch>
+        </p:blipFill>
+        <p:spPr>
+          <a:xfrm>
+            <a:off x="7287027" y="2430136"/>
+            <a:ext cx="3220056" cy="2540742"/>
+          </a:xfrm>
+          <a:prstGeom prst="rect">
+            <a:avLst/>
+          </a:prstGeom>
+        </p:spPr>
+      </p:pic>
     </p:spTree>
     <p:extLst>
       <p:ext uri="{BB962C8B-B14F-4D97-AF65-F5344CB8AC3E}">
